--- a/MINI PROJECT.pptx
+++ b/MINI PROJECT.pptx
@@ -2,19 +2,19 @@
 <file path=ppt/presentation.xml><?xml version="1.0" encoding="utf-8"?>
 <p:presentation xmlns:a="http://schemas.openxmlformats.org/drawingml/2006/main" xmlns:r="http://schemas.openxmlformats.org/officeDocument/2006/relationships" xmlns:p="http://schemas.openxmlformats.org/presentationml/2006/main" saveSubsetFonts="1">
   <p:sldMasterIdLst>
-    <p:sldMasterId id="2147483708" r:id="rId1"/>
+    <p:sldMasterId id="2147483708" r:id="rId4"/>
   </p:sldMasterIdLst>
   <p:sldIdLst>
-    <p:sldId id="256" r:id="rId2"/>
-    <p:sldId id="257" r:id="rId3"/>
-    <p:sldId id="258" r:id="rId4"/>
-    <p:sldId id="259" r:id="rId5"/>
-    <p:sldId id="266" r:id="rId6"/>
-    <p:sldId id="272" r:id="rId7"/>
-    <p:sldId id="275" r:id="rId8"/>
-    <p:sldId id="276" r:id="rId9"/>
-    <p:sldId id="277" r:id="rId10"/>
-    <p:sldId id="278" r:id="rId11"/>
+    <p:sldId id="256" r:id="rId5"/>
+    <p:sldId id="257" r:id="rId6"/>
+    <p:sldId id="258" r:id="rId7"/>
+    <p:sldId id="259" r:id="rId8"/>
+    <p:sldId id="266" r:id="rId9"/>
+    <p:sldId id="272" r:id="rId10"/>
+    <p:sldId id="275" r:id="rId11"/>
+    <p:sldId id="276" r:id="rId12"/>
+    <p:sldId id="277" r:id="rId13"/>
+    <p:sldId id="278" r:id="rId14"/>
   </p:sldIdLst>
   <p:sldSz cx="12192000" cy="6858000"/>
   <p:notesSz cx="6858000" cy="9144000"/>
@@ -121,6 +121,14 @@
 </p:presentation>
 </file>
 
+<file path=ppt/revisionInfo.xml><?xml version="1.0" encoding="utf-8"?>
+<p1510:revInfo xmlns:a="http://schemas.openxmlformats.org/drawingml/2006/main" xmlns:r="http://schemas.openxmlformats.org/officeDocument/2006/relationships" xmlns:p1510="http://schemas.microsoft.com/office/powerpoint/2015/10/main">
+  <p1510:revLst>
+    <p1510:client id="{A810BAA7-9E67-42C6-AEC1-31675AC56D07}" v="9" dt="2023-01-25T15:06:25.603"/>
+  </p1510:revLst>
+</p1510:revInfo>
+</file>
+
 <file path=ppt/slideLayouts/slideLayout1.xml><?xml version="1.0" encoding="utf-8"?>
 <p:sldLayout xmlns:a="http://schemas.openxmlformats.org/drawingml/2006/main" xmlns:r="http://schemas.openxmlformats.org/officeDocument/2006/relationships" xmlns:p="http://schemas.openxmlformats.org/presentationml/2006/main" type="title" preserve="1">
   <p:cSld name="Title Slide">
@@ -321,7 +329,7 @@
           <a:p>
             <a:fld id="{9184DA70-C731-4C70-880D-CCD4705E623C}" type="datetime1">
               <a:rPr lang="en-US" smtClean="0"/>
-              <a:t>1/23/2023</a:t>
+              <a:t>1/25/2023</a:t>
             </a:fld>
             <a:endParaRPr lang="en-US" dirty="0"/>
           </a:p>
@@ -509,7 +517,7 @@
           <a:p>
             <a:fld id="{B612A279-0833-481D-8C56-F67FD0AC6C50}" type="datetime1">
               <a:rPr lang="en-US" smtClean="0"/>
-              <a:t>1/23/2023</a:t>
+              <a:t>1/25/2023</a:t>
             </a:fld>
             <a:endParaRPr lang="en-US" dirty="0"/>
           </a:p>
@@ -751,7 +759,7 @@
           <a:p>
             <a:fld id="{6587DA83-5663-4C9C-B9AA-0B40A3DAFF81}" type="datetime1">
               <a:rPr lang="en-US" smtClean="0"/>
-              <a:t>1/23/2023</a:t>
+              <a:t>1/25/2023</a:t>
             </a:fld>
             <a:endParaRPr lang="en-US" dirty="0"/>
           </a:p>
@@ -939,7 +947,7 @@
           <a:p>
             <a:fld id="{4BE1D723-8F53-4F53-90B0-1982A396982E}" type="datetime1">
               <a:rPr lang="en-US" smtClean="0"/>
-              <a:t>1/23/2023</a:t>
+              <a:t>1/25/2023</a:t>
             </a:fld>
             <a:endParaRPr lang="en-US" dirty="0"/>
           </a:p>
@@ -1260,7 +1268,7 @@
           <a:p>
             <a:fld id="{97669AF7-7BEB-44E4-9852-375E34362B5B}" type="datetime1">
               <a:rPr lang="en-US" smtClean="0"/>
-              <a:t>1/23/2023</a:t>
+              <a:t>1/25/2023</a:t>
             </a:fld>
             <a:endParaRPr lang="en-US" dirty="0"/>
           </a:p>
@@ -1514,7 +1522,7 @@
           <a:p>
             <a:fld id="{BAAAC38D-0552-4C82-B593-E6124DFADBE2}" type="datetime1">
               <a:rPr lang="en-US" smtClean="0"/>
-              <a:t>1/23/2023</a:t>
+              <a:t>1/25/2023</a:t>
             </a:fld>
             <a:endParaRPr lang="en-US" dirty="0"/>
           </a:p>
@@ -1911,7 +1919,7 @@
           <a:p>
             <a:fld id="{D9DF0F1C-5577-4ACB-BB62-DF8F3C494C7E}" type="datetime1">
               <a:rPr lang="en-US" smtClean="0"/>
-              <a:t>1/23/2023</a:t>
+              <a:t>1/25/2023</a:t>
             </a:fld>
             <a:endParaRPr lang="en-US" dirty="0"/>
           </a:p>
@@ -2047,7 +2055,7 @@
           <a:p>
             <a:fld id="{1775B394-D9F9-4F0C-B15D-605F45CB9E9F}" type="datetime1">
               <a:rPr lang="en-US" smtClean="0"/>
-              <a:t>1/23/2023</a:t>
+              <a:t>1/25/2023</a:t>
             </a:fld>
             <a:endParaRPr lang="en-US" dirty="0"/>
           </a:p>
@@ -2204,7 +2212,7 @@
           <a:p>
             <a:fld id="{39667345-2558-425A-8533-9BFDBCE15005}" type="datetime1">
               <a:rPr lang="en-US" smtClean="0"/>
-              <a:t>1/23/2023</a:t>
+              <a:t>1/25/2023</a:t>
             </a:fld>
             <a:endParaRPr lang="en-US" dirty="0"/>
           </a:p>
@@ -2533,7 +2541,7 @@
           <a:p>
             <a:fld id="{92BEA474-078D-4E9B-9B14-09A87B19DC46}" type="datetime1">
               <a:rPr lang="en-US" smtClean="0"/>
-              <a:t>1/23/2023</a:t>
+              <a:t>1/25/2023</a:t>
             </a:fld>
             <a:endParaRPr lang="en-US" dirty="0"/>
           </a:p>
@@ -2883,7 +2891,7 @@
           <a:p>
             <a:fld id="{4907D986-8816-4272-A432-0437A28A9828}" type="datetime1">
               <a:rPr lang="en-US" smtClean="0"/>
-              <a:t>1/23/2023</a:t>
+              <a:t>1/25/2023</a:t>
             </a:fld>
             <a:endParaRPr lang="en-US" dirty="0"/>
           </a:p>
@@ -3147,7 +3155,7 @@
           <a:p>
             <a:fld id="{62D6E202-B606-4609-B914-27C9371A1F6D}" type="datetime1">
               <a:rPr lang="en-US" smtClean="0"/>
-              <a:t>1/23/2023</a:t>
+              <a:t>1/25/2023</a:t>
             </a:fld>
             <a:endParaRPr lang="en-US" dirty="0"/>
           </a:p>
@@ -4053,13 +4061,13 @@
   <p:clrMapOvr>
     <a:masterClrMapping/>
   </p:clrMapOvr>
-  <mc:AlternateContent xmlns:mc="http://schemas.openxmlformats.org/markup-compatibility/2006" xmlns:p159="http://schemas.microsoft.com/office/powerpoint/2015/09/main">
-    <mc:Choice Requires="p159">
-      <p:transition xmlns:p14="http://schemas.microsoft.com/office/powerpoint/2010/main" spd="slow" p14:dur="2000">
-        <p159:morph option="byObject"/>
+  <mc:AlternateContent xmlns:mc="http://schemas.openxmlformats.org/markup-compatibility/2006">
+    <mc:Choice xmlns:p14="http://schemas.microsoft.com/office/powerpoint/2010/main" Requires="p14">
+      <p:transition spd="slow" p14:dur="3400">
+        <p14:reveal/>
       </p:transition>
     </mc:Choice>
-    <mc:Fallback xmlns="">
+    <mc:Fallback>
       <p:transition spd="slow">
         <p:fade/>
       </p:transition>
@@ -4988,13 +4996,13 @@
   <p:clrMapOvr>
     <a:masterClrMapping/>
   </p:clrMapOvr>
-  <mc:AlternateContent xmlns:mc="http://schemas.openxmlformats.org/markup-compatibility/2006" xmlns:p159="http://schemas.microsoft.com/office/powerpoint/2015/09/main">
-    <mc:Choice Requires="p159">
-      <p:transition xmlns:p14="http://schemas.microsoft.com/office/powerpoint/2010/main" spd="slow" p14:dur="2000">
-        <p159:morph option="byObject"/>
+  <mc:AlternateContent xmlns:mc="http://schemas.openxmlformats.org/markup-compatibility/2006">
+    <mc:Choice xmlns:p15="http://schemas.microsoft.com/office/powerpoint/2012/main" Requires="p15">
+      <p:transition xmlns:p14="http://schemas.microsoft.com/office/powerpoint/2010/main" spd="slow" p14:dur="1250">
+        <p15:prstTrans prst="peelOff"/>
       </p:transition>
     </mc:Choice>
-    <mc:Fallback xmlns="">
+    <mc:Fallback>
       <p:transition spd="slow">
         <p:fade/>
       </p:transition>
@@ -5095,7 +5103,7 @@
                 </a:solidFill>
                 <a:cs typeface="Angsana New" panose="020B0502040204020203" pitchFamily="18" charset="-34"/>
               </a:rPr>
-              <a:t>“THE SCIENCE OF PERFORMING QUANTUM MECHANICAL PROPERTIES TO PERFORM CRYPTOGRAPHIC TASKS.”</a:t>
+              <a:t>“THE SCIENCE OF USING QUANTUM MECHANICAL PROPERTIES TO PERFORM CRYPTOGRAPHIC TASKS.”</a:t>
             </a:r>
           </a:p>
           <a:p>
@@ -5545,13 +5553,13 @@
   <p:clrMapOvr>
     <a:masterClrMapping/>
   </p:clrMapOvr>
-  <mc:AlternateContent xmlns:mc="http://schemas.openxmlformats.org/markup-compatibility/2006" xmlns:p159="http://schemas.microsoft.com/office/powerpoint/2015/09/main">
-    <mc:Choice Requires="p159">
-      <p:transition xmlns:p14="http://schemas.microsoft.com/office/powerpoint/2010/main" spd="slow" p14:dur="2000">
-        <p159:morph option="byObject"/>
+  <mc:AlternateContent xmlns:mc="http://schemas.openxmlformats.org/markup-compatibility/2006">
+    <mc:Choice xmlns:p14="http://schemas.microsoft.com/office/powerpoint/2010/main" Requires="p14">
+      <p:transition spd="slow" p14:dur="800">
+        <p14:flythrough/>
       </p:transition>
     </mc:Choice>
-    <mc:Fallback xmlns="">
+    <mc:Fallback>
       <p:transition spd="slow">
         <p:fade/>
       </p:transition>
@@ -6569,9 +6577,18 @@
   <p:clrMapOvr>
     <a:masterClrMapping/>
   </p:clrMapOvr>
-  <p:transition spd="slow">
-    <p:pull/>
-  </p:transition>
+  <mc:AlternateContent xmlns:mc="http://schemas.openxmlformats.org/markup-compatibility/2006">
+    <mc:Choice xmlns:p14="http://schemas.microsoft.com/office/powerpoint/2010/main" Requires="p14">
+      <p:transition spd="slow" p14:dur="2000">
+        <p14:ferris dir="l"/>
+      </p:transition>
+    </mc:Choice>
+    <mc:Fallback>
+      <p:transition spd="slow">
+        <p:fade/>
+      </p:transition>
+    </mc:Fallback>
+  </mc:AlternateContent>
 </p:sld>
 </file>
 
@@ -7654,9 +7671,18 @@
   <p:clrMapOvr>
     <a:masterClrMapping/>
   </p:clrMapOvr>
-  <p:transition spd="slow">
-    <p:fade/>
-  </p:transition>
+  <mc:AlternateContent xmlns:mc="http://schemas.openxmlformats.org/markup-compatibility/2006">
+    <mc:Choice xmlns:p14="http://schemas.microsoft.com/office/powerpoint/2010/main" Requires="p14">
+      <p:transition spd="slow" p14:dur="1600">
+        <p14:conveyor dir="l"/>
+      </p:transition>
+    </mc:Choice>
+    <mc:Fallback>
+      <p:transition spd="slow">
+        <p:fade/>
+      </p:transition>
+    </mc:Fallback>
+  </mc:AlternateContent>
 </p:sld>
 </file>
 
@@ -8108,7 +8134,7 @@
         </p:nvSpPr>
         <p:spPr>
           <a:xfrm>
-            <a:off x="6853084" y="1140542"/>
+            <a:off x="6868860" y="1148475"/>
             <a:ext cx="5140280" cy="3411793"/>
           </a:xfrm>
           <a:prstGeom prst="roundRect">
@@ -8260,7 +8286,7 @@
         </p:blipFill>
         <p:spPr>
           <a:xfrm>
-            <a:off x="8042667" y="3170970"/>
+            <a:off x="8110562" y="3187774"/>
             <a:ext cx="905767" cy="905767"/>
           </a:xfrm>
           <a:prstGeom prst="rect">
@@ -8299,7 +8325,7 @@
         </p:blipFill>
         <p:spPr>
           <a:xfrm>
-            <a:off x="9729961" y="3170970"/>
+            <a:off x="9737963" y="3082574"/>
             <a:ext cx="905767" cy="905767"/>
           </a:xfrm>
           <a:prstGeom prst="rect">
@@ -8377,8 +8403,8 @@
         </p:blipFill>
         <p:spPr>
           <a:xfrm rot="10800000">
-            <a:off x="7808296" y="1955141"/>
-            <a:ext cx="1707840" cy="905767"/>
+            <a:off x="8003627" y="2108507"/>
+            <a:ext cx="1104596" cy="548788"/>
           </a:xfrm>
           <a:prstGeom prst="rect">
             <a:avLst/>
@@ -8416,8 +8442,8 @@
         </p:blipFill>
         <p:spPr>
           <a:xfrm rot="10800000">
-            <a:off x="9338308" y="1975660"/>
-            <a:ext cx="1745592" cy="905767"/>
+            <a:off x="9509502" y="2097804"/>
+            <a:ext cx="1225905" cy="655181"/>
           </a:xfrm>
           <a:prstGeom prst="rect">
             <a:avLst/>
@@ -8455,7 +8481,7 @@
         </p:blipFill>
         <p:spPr>
           <a:xfrm>
-            <a:off x="8018217" y="1953801"/>
+            <a:off x="8061192" y="1989293"/>
             <a:ext cx="787213" cy="787213"/>
           </a:xfrm>
           <a:prstGeom prst="rect">
@@ -8494,8 +8520,8 @@
         </p:blipFill>
         <p:spPr>
           <a:xfrm rot="5400000">
-            <a:off x="7706756" y="2696930"/>
-            <a:ext cx="1472359" cy="833938"/>
+            <a:off x="8020468" y="2689940"/>
+            <a:ext cx="903820" cy="787214"/>
           </a:xfrm>
           <a:prstGeom prst="rect">
             <a:avLst/>
@@ -8533,8 +8559,8 @@
         </p:blipFill>
         <p:spPr>
           <a:xfrm rot="5400000">
-            <a:off x="9371319" y="2661748"/>
-            <a:ext cx="1472359" cy="833938"/>
+            <a:off x="9670333" y="2647613"/>
+            <a:ext cx="903817" cy="833938"/>
           </a:xfrm>
           <a:prstGeom prst="rect">
             <a:avLst/>
@@ -8572,7 +8598,7 @@
         </p:blipFill>
         <p:spPr>
           <a:xfrm>
-            <a:off x="9712921" y="1942301"/>
+            <a:off x="9713155" y="2003067"/>
             <a:ext cx="714995" cy="714995"/>
           </a:xfrm>
           <a:prstGeom prst="rect">
@@ -8594,8 +8620,8 @@
         </p:nvSpPr>
         <p:spPr>
           <a:xfrm>
-            <a:off x="7269987" y="1433702"/>
-            <a:ext cx="856566" cy="523220"/>
+            <a:off x="7378662" y="1545910"/>
+            <a:ext cx="617938" cy="523220"/>
           </a:xfrm>
           <a:prstGeom prst="rect">
             <a:avLst/>
@@ -8638,8 +8664,8 @@
         </p:nvSpPr>
         <p:spPr>
           <a:xfrm>
-            <a:off x="8581518" y="1423225"/>
-            <a:ext cx="1714965" cy="523220"/>
+            <a:off x="8761520" y="1529620"/>
+            <a:ext cx="1104596" cy="523220"/>
           </a:xfrm>
           <a:prstGeom prst="rect">
             <a:avLst/>
@@ -8676,8 +8702,8 @@
         </p:nvSpPr>
         <p:spPr>
           <a:xfrm>
-            <a:off x="10180791" y="1443647"/>
-            <a:ext cx="2591877" cy="523220"/>
+            <a:off x="10539211" y="1563330"/>
+            <a:ext cx="1013882" cy="523220"/>
           </a:xfrm>
           <a:prstGeom prst="rect">
             <a:avLst/>
@@ -8720,8 +8746,8 @@
         </p:nvSpPr>
         <p:spPr>
           <a:xfrm>
-            <a:off x="7734318" y="3629005"/>
-            <a:ext cx="6363846" cy="276999"/>
+            <a:off x="7806504" y="3764949"/>
+            <a:ext cx="3392758" cy="276999"/>
           </a:xfrm>
           <a:prstGeom prst="rect">
             <a:avLst/>
@@ -8739,7 +8765,7 @@
           <a:p>
             <a:r>
               <a:rPr lang="en-IN" sz="1200" dirty="0"/>
-              <a:t>ENCRYPTION KEY(K1)               DECRYPTION KEY(K2)</a:t>
+              <a:t>ENCRYPTION KEY(K1)            DECRYPTION KEY(K2)</a:t>
             </a:r>
           </a:p>
         </p:txBody>
@@ -8754,13 +8780,13 @@
   <p:clrMapOvr>
     <a:masterClrMapping/>
   </p:clrMapOvr>
-  <mc:AlternateContent xmlns:mc="http://schemas.openxmlformats.org/markup-compatibility/2006" xmlns:p14="http://schemas.microsoft.com/office/powerpoint/2010/main">
-    <mc:Choice Requires="p14">
-      <p:transition spd="slow">
-        <p14:reveal/>
+  <mc:AlternateContent xmlns:mc="http://schemas.openxmlformats.org/markup-compatibility/2006">
+    <mc:Choice xmlns:p159="http://schemas.microsoft.com/office/powerpoint/2015/09/main" Requires="p159">
+      <p:transition xmlns:p14="http://schemas.microsoft.com/office/powerpoint/2010/main" spd="slow" p14:dur="2000">
+        <p159:morph option="byObject"/>
       </p:transition>
     </mc:Choice>
-    <mc:Fallback xmlns="">
+    <mc:Fallback>
       <p:transition spd="slow">
         <p:fade/>
       </p:transition>
@@ -10189,4 +10215,207 @@
     </a:ext>
   </a:extLst>
 </a:theme>
+</file>
+
+<file path=customXml/item1.xml><?xml version="1.0" encoding="utf-8"?>
+<ct:contentTypeSchema xmlns:ct="http://schemas.microsoft.com/office/2006/metadata/contentType" xmlns:ma="http://schemas.microsoft.com/office/2006/metadata/properties/metaAttributes" ct:_="" ma:_="" ma:contentTypeName="Document" ma:contentTypeID="0x0101004E489F2E5EC967428135E9B62EB54BBA" ma:contentTypeVersion="4" ma:contentTypeDescription="Create a new document." ma:contentTypeScope="" ma:versionID="fd4f7f75b631d4c246bb76b38ce3827c">
+  <xsd:schema xmlns:xsd="http://www.w3.org/2001/XMLSchema" xmlns:xs="http://www.w3.org/2001/XMLSchema" xmlns:p="http://schemas.microsoft.com/office/2006/metadata/properties" xmlns:ns3="81aeb6b3-d7b4-4446-94f0-70a459e0c744" targetNamespace="http://schemas.microsoft.com/office/2006/metadata/properties" ma:root="true" ma:fieldsID="cea14461648dc5fd099934b1c0f30be1" ns3:_="">
+    <xsd:import namespace="81aeb6b3-d7b4-4446-94f0-70a459e0c744"/>
+    <xsd:element name="properties">
+      <xsd:complexType>
+        <xsd:sequence>
+          <xsd:element name="documentManagement">
+            <xsd:complexType>
+              <xsd:all>
+                <xsd:element ref="ns3:MediaServiceMetadata" minOccurs="0"/>
+                <xsd:element ref="ns3:MediaServiceFastMetadata" minOccurs="0"/>
+                <xsd:element ref="ns3:MediaServiceAutoKeyPoints" minOccurs="0"/>
+                <xsd:element ref="ns3:MediaServiceKeyPoints" minOccurs="0"/>
+              </xsd:all>
+            </xsd:complexType>
+          </xsd:element>
+        </xsd:sequence>
+      </xsd:complexType>
+    </xsd:element>
+  </xsd:schema>
+  <xsd:schema xmlns:xsd="http://www.w3.org/2001/XMLSchema" xmlns:xs="http://www.w3.org/2001/XMLSchema" xmlns:dms="http://schemas.microsoft.com/office/2006/documentManagement/types" xmlns:pc="http://schemas.microsoft.com/office/infopath/2007/PartnerControls" targetNamespace="81aeb6b3-d7b4-4446-94f0-70a459e0c744" elementFormDefault="qualified">
+    <xsd:import namespace="http://schemas.microsoft.com/office/2006/documentManagement/types"/>
+    <xsd:import namespace="http://schemas.microsoft.com/office/infopath/2007/PartnerControls"/>
+    <xsd:element name="MediaServiceMetadata" ma:index="8" nillable="true" ma:displayName="MediaServiceMetadata" ma:hidden="true" ma:internalName="MediaServiceMetadata" ma:readOnly="true">
+      <xsd:simpleType>
+        <xsd:restriction base="dms:Note"/>
+      </xsd:simpleType>
+    </xsd:element>
+    <xsd:element name="MediaServiceFastMetadata" ma:index="9" nillable="true" ma:displayName="MediaServiceFastMetadata" ma:hidden="true" ma:internalName="MediaServiceFastMetadata" ma:readOnly="true">
+      <xsd:simpleType>
+        <xsd:restriction base="dms:Note"/>
+      </xsd:simpleType>
+    </xsd:element>
+    <xsd:element name="MediaServiceAutoKeyPoints" ma:index="10" nillable="true" ma:displayName="MediaServiceAutoKeyPoints" ma:hidden="true" ma:internalName="MediaServiceAutoKeyPoints" ma:readOnly="true">
+      <xsd:simpleType>
+        <xsd:restriction base="dms:Note"/>
+      </xsd:simpleType>
+    </xsd:element>
+    <xsd:element name="MediaServiceKeyPoints" ma:index="11" nillable="true" ma:displayName="KeyPoints" ma:internalName="MediaServiceKeyPoints" ma:readOnly="true">
+      <xsd:simpleType>
+        <xsd:restriction base="dms:Note">
+          <xsd:maxLength value="255"/>
+        </xsd:restriction>
+      </xsd:simpleType>
+    </xsd:element>
+  </xsd:schema>
+  <xsd:schema xmlns="http://schemas.openxmlformats.org/package/2006/metadata/core-properties" xmlns:xsd="http://www.w3.org/2001/XMLSchema" xmlns:xsi="http://www.w3.org/2001/XMLSchema-instance" xmlns:dc="http://purl.org/dc/elements/1.1/" xmlns:dcterms="http://purl.org/dc/terms/" xmlns:odoc="http://schemas.microsoft.com/internal/obd" targetNamespace="http://schemas.openxmlformats.org/package/2006/metadata/core-properties" elementFormDefault="qualified" attributeFormDefault="unqualified" blockDefault="#all">
+    <xsd:import namespace="http://purl.org/dc/elements/1.1/" schemaLocation="http://dublincore.org/schemas/xmls/qdc/2003/04/02/dc.xsd"/>
+    <xsd:import namespace="http://purl.org/dc/terms/" schemaLocation="http://dublincore.org/schemas/xmls/qdc/2003/04/02/dcterms.xsd"/>
+    <xsd:element name="coreProperties" type="CT_coreProperties"/>
+    <xsd:complexType name="CT_coreProperties">
+      <xsd:all>
+        <xsd:element ref="dc:creator" minOccurs="0" maxOccurs="1"/>
+        <xsd:element ref="dcterms:created" minOccurs="0" maxOccurs="1"/>
+        <xsd:element ref="dc:identifier" minOccurs="0" maxOccurs="1"/>
+        <xsd:element name="contentType" minOccurs="0" maxOccurs="1" type="xsd:string" ma:index="0" ma:displayName="Content Type"/>
+        <xsd:element ref="dc:title" minOccurs="0" maxOccurs="1" ma:index="4" ma:displayName="Title"/>
+        <xsd:element ref="dc:subject" minOccurs="0" maxOccurs="1"/>
+        <xsd:element ref="dc:description" minOccurs="0" maxOccurs="1"/>
+        <xsd:element name="keywords" minOccurs="0" maxOccurs="1" type="xsd:string"/>
+        <xsd:element ref="dc:language" minOccurs="0" maxOccurs="1"/>
+        <xsd:element name="category" minOccurs="0" maxOccurs="1" type="xsd:string"/>
+        <xsd:element name="version" minOccurs="0" maxOccurs="1" type="xsd:string"/>
+        <xsd:element name="revision" minOccurs="0" maxOccurs="1" type="xsd:string">
+          <xsd:annotation>
+            <xsd:documentation>
+                        This value indicates the number of saves or revisions. The application is responsible for updating this value after each revision.
+                    </xsd:documentation>
+          </xsd:annotation>
+        </xsd:element>
+        <xsd:element name="lastModifiedBy" minOccurs="0" maxOccurs="1" type="xsd:string"/>
+        <xsd:element ref="dcterms:modified" minOccurs="0" maxOccurs="1"/>
+        <xsd:element name="contentStatus" minOccurs="0" maxOccurs="1" type="xsd:string"/>
+      </xsd:all>
+    </xsd:complexType>
+  </xsd:schema>
+  <xs:schema xmlns:pc="http://schemas.microsoft.com/office/infopath/2007/PartnerControls" xmlns:xs="http://www.w3.org/2001/XMLSchema" targetNamespace="http://schemas.microsoft.com/office/infopath/2007/PartnerControls" elementFormDefault="qualified" attributeFormDefault="unqualified">
+    <xs:element name="Person">
+      <xs:complexType>
+        <xs:sequence>
+          <xs:element ref="pc:DisplayName" minOccurs="0"/>
+          <xs:element ref="pc:AccountId" minOccurs="0"/>
+          <xs:element ref="pc:AccountType" minOccurs="0"/>
+        </xs:sequence>
+      </xs:complexType>
+    </xs:element>
+    <xs:element name="DisplayName" type="xs:string"/>
+    <xs:element name="AccountId" type="xs:string"/>
+    <xs:element name="AccountType" type="xs:string"/>
+    <xs:element name="BDCAssociatedEntity">
+      <xs:complexType>
+        <xs:sequence>
+          <xs:element ref="pc:BDCEntity" minOccurs="0" maxOccurs="unbounded"/>
+        </xs:sequence>
+        <xs:attribute ref="pc:EntityNamespace"/>
+        <xs:attribute ref="pc:EntityName"/>
+        <xs:attribute ref="pc:SystemInstanceName"/>
+        <xs:attribute ref="pc:AssociationName"/>
+      </xs:complexType>
+    </xs:element>
+    <xs:attribute name="EntityNamespace" type="xs:string"/>
+    <xs:attribute name="EntityName" type="xs:string"/>
+    <xs:attribute name="SystemInstanceName" type="xs:string"/>
+    <xs:attribute name="AssociationName" type="xs:string"/>
+    <xs:element name="BDCEntity">
+      <xs:complexType>
+        <xs:sequence>
+          <xs:element ref="pc:EntityDisplayName" minOccurs="0"/>
+          <xs:element ref="pc:EntityInstanceReference" minOccurs="0"/>
+          <xs:element ref="pc:EntityId1" minOccurs="0"/>
+          <xs:element ref="pc:EntityId2" minOccurs="0"/>
+          <xs:element ref="pc:EntityId3" minOccurs="0"/>
+          <xs:element ref="pc:EntityId4" minOccurs="0"/>
+          <xs:element ref="pc:EntityId5" minOccurs="0"/>
+        </xs:sequence>
+      </xs:complexType>
+    </xs:element>
+    <xs:element name="EntityDisplayName" type="xs:string"/>
+    <xs:element name="EntityInstanceReference" type="xs:string"/>
+    <xs:element name="EntityId1" type="xs:string"/>
+    <xs:element name="EntityId2" type="xs:string"/>
+    <xs:element name="EntityId3" type="xs:string"/>
+    <xs:element name="EntityId4" type="xs:string"/>
+    <xs:element name="EntityId5" type="xs:string"/>
+    <xs:element name="Terms">
+      <xs:complexType>
+        <xs:sequence>
+          <xs:element ref="pc:TermInfo" minOccurs="0" maxOccurs="unbounded"/>
+        </xs:sequence>
+      </xs:complexType>
+    </xs:element>
+    <xs:element name="TermInfo">
+      <xs:complexType>
+        <xs:sequence>
+          <xs:element ref="pc:TermName" minOccurs="0"/>
+          <xs:element ref="pc:TermId" minOccurs="0"/>
+        </xs:sequence>
+      </xs:complexType>
+    </xs:element>
+    <xs:element name="TermName" type="xs:string"/>
+    <xs:element name="TermId" type="xs:string"/>
+  </xs:schema>
+</ct:contentTypeSchema>
+</file>
+
+<file path=customXml/item2.xml><?xml version="1.0" encoding="utf-8"?>
+<?mso-contentType ?>
+<FormTemplates xmlns="http://schemas.microsoft.com/sharepoint/v3/contenttype/forms">
+  <Display>DocumentLibraryForm</Display>
+  <Edit>DocumentLibraryForm</Edit>
+  <New>DocumentLibraryForm</New>
+</FormTemplates>
+</file>
+
+<file path=customXml/item3.xml><?xml version="1.0" encoding="utf-8"?>
+<p:properties xmlns:p="http://schemas.microsoft.com/office/2006/metadata/properties" xmlns:xsi="http://www.w3.org/2001/XMLSchema-instance" xmlns:pc="http://schemas.microsoft.com/office/infopath/2007/PartnerControls">
+  <documentManagement/>
+</p:properties>
+</file>
+
+<file path=customXml/itemProps1.xml><?xml version="1.0" encoding="utf-8"?>
+<ds:datastoreItem xmlns:ds="http://schemas.openxmlformats.org/officeDocument/2006/customXml" ds:itemID="{FB740307-52D3-492C-A13C-1E730853671E}">
+  <ds:schemaRefs>
+    <ds:schemaRef ds:uri="http://schemas.microsoft.com/office/2006/metadata/contentType"/>
+    <ds:schemaRef ds:uri="http://schemas.microsoft.com/office/2006/metadata/properties/metaAttributes"/>
+    <ds:schemaRef ds:uri="http://www.w3.org/2001/XMLSchema"/>
+    <ds:schemaRef ds:uri="http://schemas.microsoft.com/office/2006/metadata/properties"/>
+    <ds:schemaRef ds:uri="81aeb6b3-d7b4-4446-94f0-70a459e0c744"/>
+    <ds:schemaRef ds:uri="http://schemas.microsoft.com/office/2006/documentManagement/types"/>
+    <ds:schemaRef ds:uri="http://schemas.microsoft.com/office/infopath/2007/PartnerControls"/>
+    <ds:schemaRef ds:uri="http://schemas.openxmlformats.org/package/2006/metadata/core-properties"/>
+    <ds:schemaRef ds:uri="http://purl.org/dc/elements/1.1/"/>
+    <ds:schemaRef ds:uri="http://purl.org/dc/terms/"/>
+    <ds:schemaRef ds:uri="http://schemas.microsoft.com/internal/obd"/>
+  </ds:schemaRefs>
+</ds:datastoreItem>
+</file>
+
+<file path=customXml/itemProps2.xml><?xml version="1.0" encoding="utf-8"?>
+<ds:datastoreItem xmlns:ds="http://schemas.openxmlformats.org/officeDocument/2006/customXml" ds:itemID="{F2DC4636-DD94-4834-B390-E84DB16EBD97}">
+  <ds:schemaRefs>
+    <ds:schemaRef ds:uri="http://schemas.microsoft.com/sharepoint/v3/contenttype/forms"/>
+  </ds:schemaRefs>
+</ds:datastoreItem>
+</file>
+
+<file path=customXml/itemProps3.xml><?xml version="1.0" encoding="utf-8"?>
+<ds:datastoreItem xmlns:ds="http://schemas.openxmlformats.org/officeDocument/2006/customXml" ds:itemID="{466C503E-1299-47C3-8005-E5554AAB8903}">
+  <ds:schemaRefs>
+    <ds:schemaRef ds:uri="http://schemas.openxmlformats.org/package/2006/metadata/core-properties"/>
+    <ds:schemaRef ds:uri="81aeb6b3-d7b4-4446-94f0-70a459e0c744"/>
+    <ds:schemaRef ds:uri="http://purl.org/dc/terms/"/>
+    <ds:schemaRef ds:uri="http://schemas.microsoft.com/office/infopath/2007/PartnerControls"/>
+    <ds:schemaRef ds:uri="http://purl.org/dc/elements/1.1/"/>
+    <ds:schemaRef ds:uri="http://schemas.microsoft.com/office/2006/documentManagement/types"/>
+    <ds:schemaRef ds:uri="http://schemas.microsoft.com/office/2006/metadata/properties"/>
+    <ds:schemaRef ds:uri="http://www.w3.org/XML/1998/namespace"/>
+    <ds:schemaRef ds:uri="http://purl.org/dc/dcmitype/"/>
+  </ds:schemaRefs>
+</ds:datastoreItem>
 </file>